--- a/doc/team_ppt.pptx
+++ b/doc/team_ppt.pptx
@@ -7,6 +7,7 @@
   <p:sldIdLst>
     <p:sldId id="256" r:id="rId2"/>
     <p:sldId id="257" r:id="rId3"/>
+    <p:sldId id="258" r:id="rId4"/>
   </p:sldIdLst>
   <p:sldSz cx="9144000" cy="6858000" type="screen4x3"/>
   <p:notesSz cx="6858000" cy="9144000"/>
@@ -4502,6 +4503,2134 @@
 </p:sld>
 </file>
 
+<file path=ppt/slides/slide3.xml><?xml version="1.0" encoding="utf-8"?>
+<p:sld xmlns:a="http://schemas.openxmlformats.org/drawingml/2006/main" xmlns:r="http://schemas.openxmlformats.org/officeDocument/2006/relationships" xmlns:p="http://schemas.openxmlformats.org/presentationml/2006/main">
+  <p:cSld>
+    <p:spTree>
+      <p:nvGrpSpPr>
+        <p:cNvPr id="1" name=""/>
+        <p:cNvGrpSpPr/>
+        <p:nvPr/>
+      </p:nvGrpSpPr>
+      <p:grpSpPr>
+        <a:xfrm>
+          <a:off x="0" y="0"/>
+          <a:ext cx="0" cy="0"/>
+          <a:chOff x="0" y="0"/>
+          <a:chExt cx="0" cy="0"/>
+        </a:xfrm>
+      </p:grpSpPr>
+      <p:sp>
+        <p:nvSpPr>
+          <p:cNvPr id="4" name="모서리가 둥근 직사각형 3"/>
+          <p:cNvSpPr/>
+          <p:nvPr/>
+        </p:nvSpPr>
+        <p:spPr>
+          <a:xfrm>
+            <a:off x="-2988840" y="0"/>
+            <a:ext cx="5040560" cy="864096"/>
+          </a:xfrm>
+          <a:prstGeom prst="roundRect">
+            <a:avLst/>
+          </a:prstGeom>
+          <a:ln>
+            <a:solidFill>
+              <a:srgbClr val="00B050"/>
+            </a:solidFill>
+          </a:ln>
+        </p:spPr>
+        <p:style>
+          <a:lnRef idx="2">
+            <a:schemeClr val="accent3"/>
+          </a:lnRef>
+          <a:fillRef idx="1">
+            <a:schemeClr val="lt1"/>
+          </a:fillRef>
+          <a:effectRef idx="0">
+            <a:schemeClr val="accent3"/>
+          </a:effectRef>
+          <a:fontRef idx="minor">
+            <a:schemeClr val="dk1"/>
+          </a:fontRef>
+        </p:style>
+        <p:txBody>
+          <a:bodyPr rtlCol="0" anchor="ctr"/>
+          <a:lstStyle/>
+          <a:p>
+            <a:pPr algn="ctr">
+              <a:lnSpc>
+                <a:spcPct val="150000"/>
+              </a:lnSpc>
+            </a:pPr>
+            <a:r>
+              <a:rPr lang="en-US" altLang="ko-KR" b="1" dirty="0" smtClean="0"/>
+              <a:t>make_labels_true.py</a:t>
+            </a:r>
+          </a:p>
+          <a:p>
+            <a:pPr algn="ctr">
+              <a:lnSpc>
+                <a:spcPct val="150000"/>
+              </a:lnSpc>
+            </a:pPr>
+            <a:r>
+              <a:rPr lang="ko-KR" altLang="en-US" sz="1500" dirty="0" smtClean="0">
+                <a:solidFill>
+                  <a:schemeClr val="tx1">
+                    <a:lumMod val="50000"/>
+                    <a:lumOff val="50000"/>
+                  </a:schemeClr>
+                </a:solidFill>
+              </a:rPr>
+              <a:t>향후 평가를 위해 </a:t>
+            </a:r>
+            <a:r>
+              <a:rPr lang="en-US" altLang="ko-KR" sz="1500" dirty="0" smtClean="0">
+                <a:solidFill>
+                  <a:schemeClr val="tx1">
+                    <a:lumMod val="50000"/>
+                    <a:lumOff val="50000"/>
+                  </a:schemeClr>
+                </a:solidFill>
+              </a:rPr>
+              <a:t>Target image</a:t>
+            </a:r>
+            <a:r>
+              <a:rPr lang="ko-KR" altLang="en-US" sz="1500" dirty="0" smtClean="0">
+                <a:solidFill>
+                  <a:schemeClr val="tx1">
+                    <a:lumMod val="50000"/>
+                    <a:lumOff val="50000"/>
+                  </a:schemeClr>
+                </a:solidFill>
+              </a:rPr>
+              <a:t>들의 </a:t>
+            </a:r>
+            <a:r>
+              <a:rPr lang="en-US" altLang="ko-KR" sz="1500" dirty="0" smtClean="0">
+                <a:solidFill>
+                  <a:schemeClr val="tx1">
+                    <a:lumMod val="50000"/>
+                    <a:lumOff val="50000"/>
+                  </a:schemeClr>
+                </a:solidFill>
+              </a:rPr>
+              <a:t>true label </a:t>
+            </a:r>
+            <a:r>
+              <a:rPr lang="ko-KR" altLang="en-US" sz="1500" dirty="0" smtClean="0">
+                <a:solidFill>
+                  <a:schemeClr val="tx1">
+                    <a:lumMod val="50000"/>
+                    <a:lumOff val="50000"/>
+                  </a:schemeClr>
+                </a:solidFill>
+              </a:rPr>
+              <a:t>생성</a:t>
+            </a:r>
+            <a:endParaRPr lang="ko-KR" altLang="en-US" sz="1500" dirty="0">
+              <a:solidFill>
+                <a:schemeClr val="tx1">
+                  <a:lumMod val="50000"/>
+                  <a:lumOff val="50000"/>
+                </a:schemeClr>
+              </a:solidFill>
+            </a:endParaRPr>
+          </a:p>
+        </p:txBody>
+      </p:sp>
+      <p:sp>
+        <p:nvSpPr>
+          <p:cNvPr id="5" name="모서리가 둥근 직사각형 4"/>
+          <p:cNvSpPr/>
+          <p:nvPr/>
+        </p:nvSpPr>
+        <p:spPr>
+          <a:xfrm>
+            <a:off x="-2988840" y="1152128"/>
+            <a:ext cx="5040560" cy="2160240"/>
+          </a:xfrm>
+          <a:prstGeom prst="roundRect">
+            <a:avLst>
+              <a:gd name="adj" fmla="val 8448"/>
+            </a:avLst>
+          </a:prstGeom>
+          <a:ln>
+            <a:solidFill>
+              <a:srgbClr val="00B050"/>
+            </a:solidFill>
+          </a:ln>
+        </p:spPr>
+        <p:style>
+          <a:lnRef idx="2">
+            <a:schemeClr val="accent3"/>
+          </a:lnRef>
+          <a:fillRef idx="1">
+            <a:schemeClr val="lt1"/>
+          </a:fillRef>
+          <a:effectRef idx="0">
+            <a:schemeClr val="accent3"/>
+          </a:effectRef>
+          <a:fontRef idx="minor">
+            <a:schemeClr val="dk1"/>
+          </a:fontRef>
+        </p:style>
+        <p:txBody>
+          <a:bodyPr rtlCol="0" anchor="ctr"/>
+          <a:lstStyle/>
+          <a:p>
+            <a:pPr algn="ctr">
+              <a:lnSpc>
+                <a:spcPct val="150000"/>
+              </a:lnSpc>
+            </a:pPr>
+            <a:r>
+              <a:rPr lang="en-US" altLang="ko-KR" b="1" dirty="0"/>
+              <a:t>e</a:t>
+            </a:r>
+            <a:r>
+              <a:rPr lang="en-US" altLang="ko-KR" b="1" dirty="0" smtClean="0"/>
+              <a:t>xtract_features.py</a:t>
+            </a:r>
+          </a:p>
+          <a:p>
+            <a:pPr algn="ctr"/>
+            <a:r>
+              <a:rPr lang="en-US" altLang="ko-KR" sz="1500" dirty="0" smtClean="0">
+                <a:solidFill>
+                  <a:schemeClr val="tx1">
+                    <a:lumMod val="50000"/>
+                    <a:lumOff val="50000"/>
+                  </a:schemeClr>
+                </a:solidFill>
+              </a:rPr>
+              <a:t>Target image </a:t>
+            </a:r>
+            <a:r>
+              <a:rPr lang="en-US" altLang="ko-KR" sz="1500" dirty="0" smtClean="0">
+                <a:solidFill>
+                  <a:schemeClr val="tx1">
+                    <a:lumMod val="50000"/>
+                    <a:lumOff val="50000"/>
+                  </a:schemeClr>
+                </a:solidFill>
+                <a:sym typeface="Wingdings" panose="05000000000000000000" pitchFamily="2" charset="2"/>
+              </a:rPr>
+              <a:t> </a:t>
+            </a:r>
+            <a:r>
+              <a:rPr lang="en-US" altLang="ko-KR" sz="1500" dirty="0">
+                <a:solidFill>
+                  <a:schemeClr val="tx1">
+                    <a:lumMod val="50000"/>
+                    <a:lumOff val="50000"/>
+                  </a:schemeClr>
+                </a:solidFill>
+                <a:sym typeface="Wingdings" panose="05000000000000000000" pitchFamily="2" charset="2"/>
+              </a:rPr>
+              <a:t>F</a:t>
+            </a:r>
+            <a:r>
+              <a:rPr lang="en-US" altLang="ko-KR" sz="1500" dirty="0" smtClean="0">
+                <a:solidFill>
+                  <a:schemeClr val="tx1">
+                    <a:lumMod val="50000"/>
+                    <a:lumOff val="50000"/>
+                  </a:schemeClr>
+                </a:solidFill>
+              </a:rPr>
+              <a:t>eature vector </a:t>
+            </a:r>
+          </a:p>
+          <a:p>
+            <a:pPr algn="ctr"/>
+            <a:r>
+              <a:rPr lang="en-US" altLang="ko-KR" sz="1500" dirty="0" smtClean="0">
+                <a:solidFill>
+                  <a:schemeClr val="tx1">
+                    <a:lumMod val="50000"/>
+                    <a:lumOff val="50000"/>
+                  </a:schemeClr>
+                </a:solidFill>
+              </a:rPr>
+              <a:t>(using </a:t>
+            </a:r>
+            <a:r>
+              <a:rPr lang="en-US" altLang="ko-KR" sz="1500" b="1" dirty="0" smtClean="0">
+                <a:solidFill>
+                  <a:schemeClr val="tx1">
+                    <a:lumMod val="50000"/>
+                    <a:lumOff val="50000"/>
+                  </a:schemeClr>
+                </a:solidFill>
+              </a:rPr>
+              <a:t>MobileNet2</a:t>
+            </a:r>
+            <a:r>
+              <a:rPr lang="en-US" altLang="ko-KR" sz="1500" dirty="0" smtClean="0">
+                <a:solidFill>
+                  <a:schemeClr val="tx1">
+                    <a:lumMod val="50000"/>
+                    <a:lumOff val="50000"/>
+                  </a:schemeClr>
+                </a:solidFill>
+              </a:rPr>
+              <a:t>)</a:t>
+            </a:r>
+          </a:p>
+          <a:p>
+            <a:pPr algn="ctr"/>
+            <a:endParaRPr lang="en-US" altLang="ko-KR" sz="1500" dirty="0" smtClean="0"/>
+          </a:p>
+          <a:p>
+            <a:pPr algn="ctr">
+              <a:lnSpc>
+                <a:spcPct val="150000"/>
+              </a:lnSpc>
+            </a:pPr>
+            <a:endParaRPr lang="en-US" altLang="ko-KR" sz="1600" dirty="0"/>
+          </a:p>
+          <a:p>
+            <a:pPr algn="ctr">
+              <a:lnSpc>
+                <a:spcPct val="150000"/>
+              </a:lnSpc>
+            </a:pPr>
+            <a:endParaRPr lang="en-US" altLang="ko-KR" sz="1600" dirty="0" smtClean="0"/>
+          </a:p>
+          <a:p>
+            <a:pPr algn="ctr">
+              <a:lnSpc>
+                <a:spcPct val="150000"/>
+              </a:lnSpc>
+            </a:pPr>
+            <a:endParaRPr lang="ko-KR" altLang="en-US" sz="1600" dirty="0"/>
+          </a:p>
+        </p:txBody>
+      </p:sp>
+      <p:pic>
+        <p:nvPicPr>
+          <p:cNvPr id="2051" name="Picture 3"/>
+          <p:cNvPicPr>
+            <a:picLocks noChangeAspect="1" noChangeArrowheads="1"/>
+          </p:cNvPicPr>
+          <p:nvPr/>
+        </p:nvPicPr>
+        <p:blipFill>
+          <a:blip r:embed="rId2">
+            <a:extLst>
+              <a:ext uri="{28A0092B-C50C-407E-A947-70E740481C1C}">
+                <a14:useLocalDpi xmlns:a14="http://schemas.microsoft.com/office/drawing/2010/main" val="0"/>
+              </a:ext>
+            </a:extLst>
+          </a:blip>
+          <a:srcRect/>
+          <a:stretch>
+            <a:fillRect/>
+          </a:stretch>
+        </p:blipFill>
+        <p:spPr bwMode="auto">
+          <a:xfrm>
+            <a:off x="-972616" y="2088232"/>
+            <a:ext cx="2921020" cy="1080120"/>
+          </a:xfrm>
+          <a:prstGeom prst="rect">
+            <a:avLst/>
+          </a:prstGeom>
+          <a:noFill/>
+          <a:ln>
+            <a:noFill/>
+          </a:ln>
+          <a:extLst>
+            <a:ext uri="{909E8E84-426E-40DD-AFC4-6F175D3DCCD1}">
+              <a14:hiddenFill xmlns:a14="http://schemas.microsoft.com/office/drawing/2010/main">
+                <a:solidFill>
+                  <a:schemeClr val="accent1"/>
+                </a:solidFill>
+              </a14:hiddenFill>
+            </a:ext>
+            <a:ext uri="{91240B29-F687-4F45-9708-019B960494DF}">
+              <a14:hiddenLine xmlns:a14="http://schemas.microsoft.com/office/drawing/2010/main" w="9525">
+                <a:solidFill>
+                  <a:schemeClr val="tx1"/>
+                </a:solidFill>
+                <a:miter lim="800000"/>
+                <a:headEnd/>
+                <a:tailEnd/>
+              </a14:hiddenLine>
+            </a:ext>
+          </a:extLst>
+        </p:spPr>
+      </p:pic>
+      <p:pic>
+        <p:nvPicPr>
+          <p:cNvPr id="2052" name="Picture 4"/>
+          <p:cNvPicPr>
+            <a:picLocks noChangeAspect="1" noChangeArrowheads="1"/>
+          </p:cNvPicPr>
+          <p:nvPr/>
+        </p:nvPicPr>
+        <p:blipFill>
+          <a:blip r:embed="rId3" cstate="print">
+            <a:extLst>
+              <a:ext uri="{28A0092B-C50C-407E-A947-70E740481C1C}">
+                <a14:useLocalDpi xmlns:a14="http://schemas.microsoft.com/office/drawing/2010/main" val="0"/>
+              </a:ext>
+            </a:extLst>
+          </a:blip>
+          <a:srcRect/>
+          <a:stretch>
+            <a:fillRect/>
+          </a:stretch>
+        </p:blipFill>
+        <p:spPr bwMode="auto">
+          <a:xfrm>
+            <a:off x="-2556792" y="2088232"/>
+            <a:ext cx="1224136" cy="1071119"/>
+          </a:xfrm>
+          <a:prstGeom prst="rect">
+            <a:avLst/>
+          </a:prstGeom>
+          <a:noFill/>
+          <a:ln>
+            <a:noFill/>
+          </a:ln>
+          <a:extLst>
+            <a:ext uri="{909E8E84-426E-40DD-AFC4-6F175D3DCCD1}">
+              <a14:hiddenFill xmlns:a14="http://schemas.microsoft.com/office/drawing/2010/main">
+                <a:solidFill>
+                  <a:schemeClr val="accent1"/>
+                </a:solidFill>
+              </a14:hiddenFill>
+            </a:ext>
+            <a:ext uri="{91240B29-F687-4F45-9708-019B960494DF}">
+              <a14:hiddenLine xmlns:a14="http://schemas.microsoft.com/office/drawing/2010/main" w="9525">
+                <a:solidFill>
+                  <a:schemeClr val="tx1"/>
+                </a:solidFill>
+                <a:miter lim="800000"/>
+                <a:headEnd/>
+                <a:tailEnd/>
+              </a14:hiddenLine>
+            </a:ext>
+          </a:extLst>
+        </p:spPr>
+      </p:pic>
+      <p:sp>
+        <p:nvSpPr>
+          <p:cNvPr id="6" name="오른쪽 화살표 5"/>
+          <p:cNvSpPr/>
+          <p:nvPr/>
+        </p:nvSpPr>
+        <p:spPr>
+          <a:xfrm>
+            <a:off x="-1260648" y="2583410"/>
+            <a:ext cx="216024" cy="144016"/>
+          </a:xfrm>
+          <a:prstGeom prst="rightArrow">
+            <a:avLst/>
+          </a:prstGeom>
+        </p:spPr>
+        <p:style>
+          <a:lnRef idx="2">
+            <a:schemeClr val="accent3">
+              <a:shade val="50000"/>
+            </a:schemeClr>
+          </a:lnRef>
+          <a:fillRef idx="1">
+            <a:schemeClr val="accent3"/>
+          </a:fillRef>
+          <a:effectRef idx="0">
+            <a:schemeClr val="accent3"/>
+          </a:effectRef>
+          <a:fontRef idx="minor">
+            <a:schemeClr val="lt1"/>
+          </a:fontRef>
+        </p:style>
+        <p:txBody>
+          <a:bodyPr rtlCol="0" anchor="ctr"/>
+          <a:lstStyle/>
+          <a:p>
+            <a:pPr algn="ctr"/>
+            <a:endParaRPr lang="ko-KR" altLang="en-US"/>
+          </a:p>
+        </p:txBody>
+      </p:sp>
+      <p:sp>
+        <p:nvSpPr>
+          <p:cNvPr id="10" name="모서리가 둥근 직사각형 9"/>
+          <p:cNvSpPr/>
+          <p:nvPr/>
+        </p:nvSpPr>
+        <p:spPr>
+          <a:xfrm>
+            <a:off x="-2988840" y="3600400"/>
+            <a:ext cx="5040560" cy="936104"/>
+          </a:xfrm>
+          <a:prstGeom prst="roundRect">
+            <a:avLst/>
+          </a:prstGeom>
+          <a:ln>
+            <a:solidFill>
+              <a:srgbClr val="00B050"/>
+            </a:solidFill>
+          </a:ln>
+        </p:spPr>
+        <p:style>
+          <a:lnRef idx="2">
+            <a:schemeClr val="accent3"/>
+          </a:lnRef>
+          <a:fillRef idx="1">
+            <a:schemeClr val="lt1"/>
+          </a:fillRef>
+          <a:effectRef idx="0">
+            <a:schemeClr val="accent3"/>
+          </a:effectRef>
+          <a:fontRef idx="minor">
+            <a:schemeClr val="dk1"/>
+          </a:fontRef>
+        </p:style>
+        <p:txBody>
+          <a:bodyPr rtlCol="0" anchor="ctr"/>
+          <a:lstStyle/>
+          <a:p>
+            <a:pPr algn="ctr">
+              <a:lnSpc>
+                <a:spcPct val="150000"/>
+              </a:lnSpc>
+            </a:pPr>
+            <a:r>
+              <a:rPr lang="en-US" altLang="ko-KR" b="1" dirty="0"/>
+              <a:t>m</a:t>
+            </a:r>
+            <a:r>
+              <a:rPr lang="en-US" altLang="ko-KR" b="1" dirty="0" smtClean="0"/>
+              <a:t>ake_labels_pred.py</a:t>
+            </a:r>
+          </a:p>
+          <a:p>
+            <a:pPr algn="ctr"/>
+            <a:r>
+              <a:rPr lang="en-US" altLang="ko-KR" sz="1500" dirty="0" smtClean="0">
+                <a:solidFill>
+                  <a:schemeClr val="tx1">
+                    <a:lumMod val="50000"/>
+                    <a:lumOff val="50000"/>
+                  </a:schemeClr>
+                </a:solidFill>
+              </a:rPr>
+              <a:t>Feature vectors clustering</a:t>
+            </a:r>
+          </a:p>
+          <a:p>
+            <a:pPr algn="ctr"/>
+            <a:r>
+              <a:rPr lang="en-US" altLang="ko-KR" sz="1500" dirty="0" smtClean="0">
+                <a:solidFill>
+                  <a:schemeClr val="tx1">
+                    <a:lumMod val="50000"/>
+                    <a:lumOff val="50000"/>
+                  </a:schemeClr>
+                </a:solidFill>
+              </a:rPr>
+              <a:t>(using </a:t>
+            </a:r>
+            <a:r>
+              <a:rPr lang="en-US" altLang="ko-KR" sz="1500" b="1" dirty="0" smtClean="0">
+                <a:solidFill>
+                  <a:schemeClr val="tx1">
+                    <a:lumMod val="50000"/>
+                    <a:lumOff val="50000"/>
+                  </a:schemeClr>
+                </a:solidFill>
+              </a:rPr>
+              <a:t>K-Means</a:t>
+            </a:r>
+            <a:r>
+              <a:rPr lang="en-US" altLang="ko-KR" sz="1500" dirty="0" smtClean="0">
+                <a:solidFill>
+                  <a:schemeClr val="tx1">
+                    <a:lumMod val="50000"/>
+                    <a:lumOff val="50000"/>
+                  </a:schemeClr>
+                </a:solidFill>
+              </a:rPr>
+              <a:t>)</a:t>
+            </a:r>
+            <a:endParaRPr lang="ko-KR" altLang="en-US" sz="1500" dirty="0">
+              <a:solidFill>
+                <a:schemeClr val="tx1">
+                  <a:lumMod val="50000"/>
+                  <a:lumOff val="50000"/>
+                </a:schemeClr>
+              </a:solidFill>
+            </a:endParaRPr>
+          </a:p>
+        </p:txBody>
+      </p:sp>
+      <p:sp>
+        <p:nvSpPr>
+          <p:cNvPr id="11" name="모서리가 둥근 직사각형 10"/>
+          <p:cNvSpPr/>
+          <p:nvPr/>
+        </p:nvSpPr>
+        <p:spPr>
+          <a:xfrm>
+            <a:off x="-2988840" y="4824536"/>
+            <a:ext cx="5040560" cy="720080"/>
+          </a:xfrm>
+          <a:prstGeom prst="roundRect">
+            <a:avLst/>
+          </a:prstGeom>
+          <a:ln>
+            <a:solidFill>
+              <a:srgbClr val="00B050"/>
+            </a:solidFill>
+          </a:ln>
+        </p:spPr>
+        <p:style>
+          <a:lnRef idx="2">
+            <a:schemeClr val="accent3"/>
+          </a:lnRef>
+          <a:fillRef idx="1">
+            <a:schemeClr val="lt1"/>
+          </a:fillRef>
+          <a:effectRef idx="0">
+            <a:schemeClr val="accent3"/>
+          </a:effectRef>
+          <a:fontRef idx="minor">
+            <a:schemeClr val="dk1"/>
+          </a:fontRef>
+        </p:style>
+        <p:txBody>
+          <a:bodyPr rtlCol="0" anchor="ctr"/>
+          <a:lstStyle/>
+          <a:p>
+            <a:pPr algn="ctr">
+              <a:lnSpc>
+                <a:spcPct val="150000"/>
+              </a:lnSpc>
+            </a:pPr>
+            <a:r>
+              <a:rPr lang="en-US" altLang="ko-KR" b="1" dirty="0" smtClean="0"/>
+              <a:t>evaluation.py</a:t>
+            </a:r>
+          </a:p>
+          <a:p>
+            <a:pPr algn="ctr"/>
+            <a:r>
+              <a:rPr lang="en-US" altLang="ko-KR" sz="1500" dirty="0" smtClean="0">
+                <a:solidFill>
+                  <a:schemeClr val="tx1">
+                    <a:lumMod val="50000"/>
+                    <a:lumOff val="50000"/>
+                  </a:schemeClr>
+                </a:solidFill>
+              </a:rPr>
+              <a:t>Adjusted rand index</a:t>
+            </a:r>
+          </a:p>
+          <a:p>
+            <a:pPr algn="ctr"/>
+            <a:endParaRPr lang="ko-KR" altLang="en-US" sz="1500" dirty="0"/>
+          </a:p>
+        </p:txBody>
+      </p:sp>
+      <p:sp>
+        <p:nvSpPr>
+          <p:cNvPr id="12" name="모서리가 둥근 직사각형 11"/>
+          <p:cNvSpPr/>
+          <p:nvPr/>
+        </p:nvSpPr>
+        <p:spPr>
+          <a:xfrm>
+            <a:off x="-2988840" y="5760640"/>
+            <a:ext cx="5040560" cy="648072"/>
+          </a:xfrm>
+          <a:prstGeom prst="roundRect">
+            <a:avLst/>
+          </a:prstGeom>
+          <a:ln>
+            <a:solidFill>
+              <a:srgbClr val="00B050"/>
+            </a:solidFill>
+          </a:ln>
+        </p:spPr>
+        <p:style>
+          <a:lnRef idx="2">
+            <a:schemeClr val="accent3"/>
+          </a:lnRef>
+          <a:fillRef idx="1">
+            <a:schemeClr val="lt1"/>
+          </a:fillRef>
+          <a:effectRef idx="0">
+            <a:schemeClr val="accent3"/>
+          </a:effectRef>
+          <a:fontRef idx="minor">
+            <a:schemeClr val="dk1"/>
+          </a:fontRef>
+        </p:style>
+        <p:txBody>
+          <a:bodyPr rtlCol="0" anchor="ctr"/>
+          <a:lstStyle/>
+          <a:p>
+            <a:pPr algn="ctr">
+              <a:lnSpc>
+                <a:spcPct val="150000"/>
+              </a:lnSpc>
+            </a:pPr>
+            <a:r>
+              <a:rPr lang="en-US" altLang="ko-KR" b="1" dirty="0" smtClean="0"/>
+              <a:t>visualization.py</a:t>
+            </a:r>
+          </a:p>
+          <a:p>
+            <a:pPr algn="ctr"/>
+            <a:r>
+              <a:rPr lang="en-US" altLang="ko-KR" sz="1500" b="1" dirty="0" smtClean="0">
+                <a:solidFill>
+                  <a:schemeClr val="tx1">
+                    <a:lumMod val="50000"/>
+                    <a:lumOff val="50000"/>
+                  </a:schemeClr>
+                </a:solidFill>
+              </a:rPr>
+              <a:t>t-SNE</a:t>
+            </a:r>
+            <a:endParaRPr lang="ko-KR" altLang="en-US" sz="1500" b="1" dirty="0">
+              <a:solidFill>
+                <a:schemeClr val="tx1">
+                  <a:lumMod val="50000"/>
+                  <a:lumOff val="50000"/>
+                </a:schemeClr>
+              </a:solidFill>
+            </a:endParaRPr>
+          </a:p>
+        </p:txBody>
+      </p:sp>
+      <p:cxnSp>
+        <p:nvCxnSpPr>
+          <p:cNvPr id="13" name="직선 화살표 연결선 12"/>
+          <p:cNvCxnSpPr>
+            <a:stCxn id="4" idx="2"/>
+            <a:endCxn id="5" idx="0"/>
+          </p:cNvCxnSpPr>
+          <p:nvPr/>
+        </p:nvCxnSpPr>
+        <p:spPr>
+          <a:xfrm>
+            <a:off x="-468560" y="865522"/>
+            <a:ext cx="0" cy="285180"/>
+          </a:xfrm>
+          <a:prstGeom prst="straightConnector1">
+            <a:avLst/>
+          </a:prstGeom>
+          <a:ln>
+            <a:solidFill>
+              <a:srgbClr val="00B050"/>
+            </a:solidFill>
+            <a:headEnd type="none" w="med" len="med"/>
+            <a:tailEnd type="triangle" w="med" len="med"/>
+          </a:ln>
+        </p:spPr>
+        <p:style>
+          <a:lnRef idx="1">
+            <a:schemeClr val="accent1"/>
+          </a:lnRef>
+          <a:fillRef idx="0">
+            <a:schemeClr val="accent1"/>
+          </a:fillRef>
+          <a:effectRef idx="0">
+            <a:schemeClr val="accent1"/>
+          </a:effectRef>
+          <a:fontRef idx="minor">
+            <a:schemeClr val="tx1"/>
+          </a:fontRef>
+        </p:style>
+      </p:cxnSp>
+      <p:cxnSp>
+        <p:nvCxnSpPr>
+          <p:cNvPr id="16" name="직선 화살표 연결선 15"/>
+          <p:cNvCxnSpPr>
+            <a:stCxn id="5" idx="2"/>
+            <a:endCxn id="10" idx="0"/>
+          </p:cNvCxnSpPr>
+          <p:nvPr/>
+        </p:nvCxnSpPr>
+        <p:spPr>
+          <a:xfrm>
+            <a:off x="-468560" y="3313794"/>
+            <a:ext cx="0" cy="285180"/>
+          </a:xfrm>
+          <a:prstGeom prst="straightConnector1">
+            <a:avLst/>
+          </a:prstGeom>
+          <a:ln>
+            <a:solidFill>
+              <a:srgbClr val="00B050"/>
+            </a:solidFill>
+            <a:headEnd type="none" w="med" len="med"/>
+            <a:tailEnd type="triangle" w="med" len="med"/>
+          </a:ln>
+        </p:spPr>
+        <p:style>
+          <a:lnRef idx="1">
+            <a:schemeClr val="accent1"/>
+          </a:lnRef>
+          <a:fillRef idx="0">
+            <a:schemeClr val="accent1"/>
+          </a:fillRef>
+          <a:effectRef idx="0">
+            <a:schemeClr val="accent1"/>
+          </a:effectRef>
+          <a:fontRef idx="minor">
+            <a:schemeClr val="tx1"/>
+          </a:fontRef>
+        </p:style>
+      </p:cxnSp>
+      <p:cxnSp>
+        <p:nvCxnSpPr>
+          <p:cNvPr id="19" name="직선 화살표 연결선 18"/>
+          <p:cNvCxnSpPr>
+            <a:stCxn id="10" idx="2"/>
+            <a:endCxn id="11" idx="0"/>
+          </p:cNvCxnSpPr>
+          <p:nvPr/>
+        </p:nvCxnSpPr>
+        <p:spPr>
+          <a:xfrm>
+            <a:off x="-468560" y="4537930"/>
+            <a:ext cx="0" cy="285180"/>
+          </a:xfrm>
+          <a:prstGeom prst="straightConnector1">
+            <a:avLst/>
+          </a:prstGeom>
+          <a:ln>
+            <a:solidFill>
+              <a:srgbClr val="00B050"/>
+            </a:solidFill>
+            <a:headEnd type="none" w="med" len="med"/>
+            <a:tailEnd type="triangle" w="med" len="med"/>
+          </a:ln>
+        </p:spPr>
+        <p:style>
+          <a:lnRef idx="1">
+            <a:schemeClr val="accent1"/>
+          </a:lnRef>
+          <a:fillRef idx="0">
+            <a:schemeClr val="accent1"/>
+          </a:fillRef>
+          <a:effectRef idx="0">
+            <a:schemeClr val="accent1"/>
+          </a:effectRef>
+          <a:fontRef idx="minor">
+            <a:schemeClr val="tx1"/>
+          </a:fontRef>
+        </p:style>
+      </p:cxnSp>
+      <p:cxnSp>
+        <p:nvCxnSpPr>
+          <p:cNvPr id="22" name="직선 화살표 연결선 21"/>
+          <p:cNvCxnSpPr>
+            <a:stCxn id="11" idx="2"/>
+            <a:endCxn id="12" idx="0"/>
+          </p:cNvCxnSpPr>
+          <p:nvPr/>
+        </p:nvCxnSpPr>
+        <p:spPr>
+          <a:xfrm>
+            <a:off x="-468560" y="5545686"/>
+            <a:ext cx="0" cy="213885"/>
+          </a:xfrm>
+          <a:prstGeom prst="straightConnector1">
+            <a:avLst/>
+          </a:prstGeom>
+          <a:ln>
+            <a:solidFill>
+              <a:srgbClr val="00B050"/>
+            </a:solidFill>
+            <a:headEnd type="none" w="med" len="med"/>
+            <a:tailEnd type="triangle" w="med" len="med"/>
+          </a:ln>
+        </p:spPr>
+        <p:style>
+          <a:lnRef idx="1">
+            <a:schemeClr val="accent1"/>
+          </a:lnRef>
+          <a:fillRef idx="0">
+            <a:schemeClr val="accent1"/>
+          </a:fillRef>
+          <a:effectRef idx="0">
+            <a:schemeClr val="accent1"/>
+          </a:effectRef>
+          <a:fontRef idx="minor">
+            <a:schemeClr val="tx1"/>
+          </a:fontRef>
+        </p:style>
+      </p:cxnSp>
+      <p:sp>
+        <p:nvSpPr>
+          <p:cNvPr id="18" name="모서리가 둥근 직사각형 17"/>
+          <p:cNvSpPr/>
+          <p:nvPr/>
+        </p:nvSpPr>
+        <p:spPr>
+          <a:xfrm>
+            <a:off x="3707904" y="2332"/>
+            <a:ext cx="5040560" cy="864096"/>
+          </a:xfrm>
+          <a:prstGeom prst="roundRect">
+            <a:avLst/>
+          </a:prstGeom>
+          <a:ln>
+            <a:solidFill>
+              <a:srgbClr val="00B050"/>
+            </a:solidFill>
+          </a:ln>
+        </p:spPr>
+        <p:style>
+          <a:lnRef idx="2">
+            <a:schemeClr val="accent3"/>
+          </a:lnRef>
+          <a:fillRef idx="1">
+            <a:schemeClr val="lt1"/>
+          </a:fillRef>
+          <a:effectRef idx="0">
+            <a:schemeClr val="accent3"/>
+          </a:effectRef>
+          <a:fontRef idx="minor">
+            <a:schemeClr val="dk1"/>
+          </a:fontRef>
+        </p:style>
+        <p:txBody>
+          <a:bodyPr rtlCol="0" anchor="ctr"/>
+          <a:lstStyle/>
+          <a:p>
+            <a:pPr algn="ctr">
+              <a:lnSpc>
+                <a:spcPct val="150000"/>
+              </a:lnSpc>
+            </a:pPr>
+            <a:r>
+              <a:rPr lang="en-US" altLang="ko-KR" b="1" dirty="0" smtClean="0"/>
+              <a:t>make_labels_true.py</a:t>
+            </a:r>
+          </a:p>
+          <a:p>
+            <a:pPr algn="ctr">
+              <a:lnSpc>
+                <a:spcPct val="150000"/>
+              </a:lnSpc>
+            </a:pPr>
+            <a:r>
+              <a:rPr lang="ko-KR" altLang="en-US" sz="1500" dirty="0" smtClean="0">
+                <a:solidFill>
+                  <a:schemeClr val="tx1">
+                    <a:lumMod val="50000"/>
+                    <a:lumOff val="50000"/>
+                  </a:schemeClr>
+                </a:solidFill>
+              </a:rPr>
+              <a:t>향후 평가를 위해 </a:t>
+            </a:r>
+            <a:r>
+              <a:rPr lang="en-US" altLang="ko-KR" sz="1500" dirty="0" smtClean="0">
+                <a:solidFill>
+                  <a:schemeClr val="tx1">
+                    <a:lumMod val="50000"/>
+                    <a:lumOff val="50000"/>
+                  </a:schemeClr>
+                </a:solidFill>
+              </a:rPr>
+              <a:t>Target image</a:t>
+            </a:r>
+            <a:r>
+              <a:rPr lang="ko-KR" altLang="en-US" sz="1500" dirty="0" smtClean="0">
+                <a:solidFill>
+                  <a:schemeClr val="tx1">
+                    <a:lumMod val="50000"/>
+                    <a:lumOff val="50000"/>
+                  </a:schemeClr>
+                </a:solidFill>
+              </a:rPr>
+              <a:t>들의 </a:t>
+            </a:r>
+            <a:r>
+              <a:rPr lang="en-US" altLang="ko-KR" sz="1500" dirty="0" smtClean="0">
+                <a:solidFill>
+                  <a:schemeClr val="tx1">
+                    <a:lumMod val="50000"/>
+                    <a:lumOff val="50000"/>
+                  </a:schemeClr>
+                </a:solidFill>
+              </a:rPr>
+              <a:t>true label </a:t>
+            </a:r>
+            <a:r>
+              <a:rPr lang="ko-KR" altLang="en-US" sz="1500" dirty="0" smtClean="0">
+                <a:solidFill>
+                  <a:schemeClr val="tx1">
+                    <a:lumMod val="50000"/>
+                    <a:lumOff val="50000"/>
+                  </a:schemeClr>
+                </a:solidFill>
+              </a:rPr>
+              <a:t>생성</a:t>
+            </a:r>
+            <a:endParaRPr lang="ko-KR" altLang="en-US" sz="1500" dirty="0">
+              <a:solidFill>
+                <a:schemeClr val="tx1">
+                  <a:lumMod val="50000"/>
+                  <a:lumOff val="50000"/>
+                </a:schemeClr>
+              </a:solidFill>
+            </a:endParaRPr>
+          </a:p>
+        </p:txBody>
+      </p:sp>
+      <p:sp>
+        <p:nvSpPr>
+          <p:cNvPr id="20" name="모서리가 둥근 직사각형 19"/>
+          <p:cNvSpPr/>
+          <p:nvPr/>
+        </p:nvSpPr>
+        <p:spPr>
+          <a:xfrm>
+            <a:off x="3707904" y="1887240"/>
+            <a:ext cx="5040560" cy="2651596"/>
+          </a:xfrm>
+          <a:prstGeom prst="roundRect">
+            <a:avLst>
+              <a:gd name="adj" fmla="val 8448"/>
+            </a:avLst>
+          </a:prstGeom>
+          <a:ln>
+            <a:solidFill>
+              <a:srgbClr val="FF0000"/>
+            </a:solidFill>
+          </a:ln>
+        </p:spPr>
+        <p:style>
+          <a:lnRef idx="2">
+            <a:schemeClr val="accent3"/>
+          </a:lnRef>
+          <a:fillRef idx="1">
+            <a:schemeClr val="lt1"/>
+          </a:fillRef>
+          <a:effectRef idx="0">
+            <a:schemeClr val="accent3"/>
+          </a:effectRef>
+          <a:fontRef idx="minor">
+            <a:schemeClr val="dk1"/>
+          </a:fontRef>
+        </p:style>
+        <p:txBody>
+          <a:bodyPr rtlCol="0" anchor="ctr"/>
+          <a:lstStyle/>
+          <a:p>
+            <a:pPr algn="ctr">
+              <a:lnSpc>
+                <a:spcPct val="150000"/>
+              </a:lnSpc>
+            </a:pPr>
+            <a:r>
+              <a:rPr lang="en-US" altLang="ko-KR" b="1" dirty="0">
+                <a:solidFill>
+                  <a:srgbClr val="FF0000"/>
+                </a:solidFill>
+              </a:rPr>
+              <a:t>e</a:t>
+            </a:r>
+            <a:r>
+              <a:rPr lang="en-US" altLang="ko-KR" b="1" dirty="0" smtClean="0">
+                <a:solidFill>
+                  <a:srgbClr val="FF0000"/>
+                </a:solidFill>
+              </a:rPr>
+              <a:t>xtract_features.py</a:t>
+            </a:r>
+          </a:p>
+          <a:p>
+            <a:pPr algn="ctr"/>
+            <a:r>
+              <a:rPr lang="en-US" altLang="ko-KR" sz="1500" dirty="0" smtClean="0">
+                <a:solidFill>
+                  <a:schemeClr val="tx1">
+                    <a:lumMod val="50000"/>
+                    <a:lumOff val="50000"/>
+                  </a:schemeClr>
+                </a:solidFill>
+              </a:rPr>
+              <a:t>Target image </a:t>
+            </a:r>
+            <a:r>
+              <a:rPr lang="en-US" altLang="ko-KR" sz="1500" dirty="0" smtClean="0">
+                <a:solidFill>
+                  <a:schemeClr val="tx1">
+                    <a:lumMod val="50000"/>
+                    <a:lumOff val="50000"/>
+                  </a:schemeClr>
+                </a:solidFill>
+                <a:sym typeface="Wingdings" panose="05000000000000000000" pitchFamily="2" charset="2"/>
+              </a:rPr>
+              <a:t> </a:t>
+            </a:r>
+            <a:r>
+              <a:rPr lang="en-US" altLang="ko-KR" sz="1500" dirty="0">
+                <a:solidFill>
+                  <a:schemeClr val="tx1">
+                    <a:lumMod val="50000"/>
+                    <a:lumOff val="50000"/>
+                  </a:schemeClr>
+                </a:solidFill>
+                <a:sym typeface="Wingdings" panose="05000000000000000000" pitchFamily="2" charset="2"/>
+              </a:rPr>
+              <a:t>F</a:t>
+            </a:r>
+            <a:r>
+              <a:rPr lang="en-US" altLang="ko-KR" sz="1500" dirty="0" smtClean="0">
+                <a:solidFill>
+                  <a:schemeClr val="tx1">
+                    <a:lumMod val="50000"/>
+                    <a:lumOff val="50000"/>
+                  </a:schemeClr>
+                </a:solidFill>
+              </a:rPr>
+              <a:t>eature vector </a:t>
+            </a:r>
+          </a:p>
+          <a:p>
+            <a:pPr algn="ctr"/>
+            <a:r>
+              <a:rPr lang="en-US" altLang="ko-KR" sz="1500" dirty="0" smtClean="0">
+                <a:solidFill>
+                  <a:schemeClr val="tx1">
+                    <a:lumMod val="50000"/>
+                    <a:lumOff val="50000"/>
+                  </a:schemeClr>
+                </a:solidFill>
+              </a:rPr>
+              <a:t>(using</a:t>
+            </a:r>
+            <a:r>
+              <a:rPr lang="en-US" altLang="ko-KR" sz="1500" dirty="0" smtClean="0">
+                <a:solidFill>
+                  <a:srgbClr val="FF0000"/>
+                </a:solidFill>
+              </a:rPr>
+              <a:t> </a:t>
+            </a:r>
+            <a:r>
+              <a:rPr lang="en-US" altLang="ko-KR" sz="1500" b="1" dirty="0" smtClean="0">
+                <a:solidFill>
+                  <a:srgbClr val="FF0000"/>
+                </a:solidFill>
+              </a:rPr>
+              <a:t>another network</a:t>
+            </a:r>
+            <a:r>
+              <a:rPr lang="en-US" altLang="ko-KR" sz="1500" dirty="0" smtClean="0">
+                <a:solidFill>
+                  <a:schemeClr val="tx1">
+                    <a:lumMod val="50000"/>
+                    <a:lumOff val="50000"/>
+                  </a:schemeClr>
+                </a:solidFill>
+              </a:rPr>
+              <a:t>)</a:t>
+            </a:r>
+          </a:p>
+          <a:p>
+            <a:pPr algn="ctr"/>
+            <a:r>
+              <a:rPr lang="en-US" altLang="ko-KR" sz="1500" b="1" dirty="0" smtClean="0">
+                <a:solidFill>
+                  <a:srgbClr val="FF0000"/>
+                </a:solidFill>
+              </a:rPr>
+              <a:t>+</a:t>
+            </a:r>
+          </a:p>
+          <a:p>
+            <a:pPr algn="ctr"/>
+            <a:r>
+              <a:rPr lang="en-US" altLang="ko-KR" sz="1500" b="1" dirty="0" smtClean="0">
+                <a:solidFill>
+                  <a:srgbClr val="FF0000"/>
+                </a:solidFill>
+              </a:rPr>
+              <a:t>Image augmentation + Fine Tuning</a:t>
+            </a:r>
+          </a:p>
+          <a:p>
+            <a:pPr algn="ctr"/>
+            <a:endParaRPr lang="en-US" altLang="ko-KR" sz="1500" dirty="0" smtClean="0"/>
+          </a:p>
+          <a:p>
+            <a:pPr algn="ctr">
+              <a:lnSpc>
+                <a:spcPct val="150000"/>
+              </a:lnSpc>
+            </a:pPr>
+            <a:endParaRPr lang="en-US" altLang="ko-KR" sz="1600" dirty="0"/>
+          </a:p>
+          <a:p>
+            <a:pPr algn="ctr">
+              <a:lnSpc>
+                <a:spcPct val="150000"/>
+              </a:lnSpc>
+            </a:pPr>
+            <a:endParaRPr lang="en-US" altLang="ko-KR" sz="1600" dirty="0" smtClean="0"/>
+          </a:p>
+          <a:p>
+            <a:pPr algn="ctr">
+              <a:lnSpc>
+                <a:spcPct val="150000"/>
+              </a:lnSpc>
+            </a:pPr>
+            <a:endParaRPr lang="ko-KR" altLang="en-US" sz="1600" dirty="0"/>
+          </a:p>
+        </p:txBody>
+      </p:sp>
+      <p:pic>
+        <p:nvPicPr>
+          <p:cNvPr id="23" name="Picture 3"/>
+          <p:cNvPicPr>
+            <a:picLocks noChangeAspect="1" noChangeArrowheads="1"/>
+          </p:cNvPicPr>
+          <p:nvPr/>
+        </p:nvPicPr>
+        <p:blipFill>
+          <a:blip r:embed="rId2">
+            <a:extLst>
+              <a:ext uri="{28A0092B-C50C-407E-A947-70E740481C1C}">
+                <a14:useLocalDpi xmlns:a14="http://schemas.microsoft.com/office/drawing/2010/main" val="0"/>
+              </a:ext>
+            </a:extLst>
+          </a:blip>
+          <a:srcRect/>
+          <a:stretch>
+            <a:fillRect/>
+          </a:stretch>
+        </p:blipFill>
+        <p:spPr bwMode="auto">
+          <a:xfrm>
+            <a:off x="5724128" y="3314700"/>
+            <a:ext cx="2921020" cy="1080120"/>
+          </a:xfrm>
+          <a:prstGeom prst="rect">
+            <a:avLst/>
+          </a:prstGeom>
+          <a:noFill/>
+          <a:ln>
+            <a:noFill/>
+          </a:ln>
+          <a:extLst>
+            <a:ext uri="{909E8E84-426E-40DD-AFC4-6F175D3DCCD1}">
+              <a14:hiddenFill xmlns:a14="http://schemas.microsoft.com/office/drawing/2010/main">
+                <a:solidFill>
+                  <a:schemeClr val="accent1"/>
+                </a:solidFill>
+              </a14:hiddenFill>
+            </a:ext>
+            <a:ext uri="{91240B29-F687-4F45-9708-019B960494DF}">
+              <a14:hiddenLine xmlns:a14="http://schemas.microsoft.com/office/drawing/2010/main" w="9525">
+                <a:solidFill>
+                  <a:schemeClr val="tx1"/>
+                </a:solidFill>
+                <a:miter lim="800000"/>
+                <a:headEnd/>
+                <a:tailEnd/>
+              </a14:hiddenLine>
+            </a:ext>
+          </a:extLst>
+        </p:spPr>
+      </p:pic>
+      <p:pic>
+        <p:nvPicPr>
+          <p:cNvPr id="24" name="Picture 4"/>
+          <p:cNvPicPr>
+            <a:picLocks noChangeAspect="1" noChangeArrowheads="1"/>
+          </p:cNvPicPr>
+          <p:nvPr/>
+        </p:nvPicPr>
+        <p:blipFill>
+          <a:blip r:embed="rId3" cstate="print">
+            <a:extLst>
+              <a:ext uri="{28A0092B-C50C-407E-A947-70E740481C1C}">
+                <a14:useLocalDpi xmlns:a14="http://schemas.microsoft.com/office/drawing/2010/main" val="0"/>
+              </a:ext>
+            </a:extLst>
+          </a:blip>
+          <a:srcRect/>
+          <a:stretch>
+            <a:fillRect/>
+          </a:stretch>
+        </p:blipFill>
+        <p:spPr bwMode="auto">
+          <a:xfrm>
+            <a:off x="4139952" y="3314700"/>
+            <a:ext cx="1224136" cy="1071119"/>
+          </a:xfrm>
+          <a:prstGeom prst="rect">
+            <a:avLst/>
+          </a:prstGeom>
+          <a:noFill/>
+          <a:ln>
+            <a:noFill/>
+          </a:ln>
+          <a:extLst>
+            <a:ext uri="{909E8E84-426E-40DD-AFC4-6F175D3DCCD1}">
+              <a14:hiddenFill xmlns:a14="http://schemas.microsoft.com/office/drawing/2010/main">
+                <a:solidFill>
+                  <a:schemeClr val="accent1"/>
+                </a:solidFill>
+              </a14:hiddenFill>
+            </a:ext>
+            <a:ext uri="{91240B29-F687-4F45-9708-019B960494DF}">
+              <a14:hiddenLine xmlns:a14="http://schemas.microsoft.com/office/drawing/2010/main" w="9525">
+                <a:solidFill>
+                  <a:schemeClr val="tx1"/>
+                </a:solidFill>
+                <a:miter lim="800000"/>
+                <a:headEnd/>
+                <a:tailEnd/>
+              </a14:hiddenLine>
+            </a:ext>
+          </a:extLst>
+        </p:spPr>
+      </p:pic>
+      <p:sp>
+        <p:nvSpPr>
+          <p:cNvPr id="25" name="오른쪽 화살표 24"/>
+          <p:cNvSpPr/>
+          <p:nvPr/>
+        </p:nvSpPr>
+        <p:spPr>
+          <a:xfrm>
+            <a:off x="5436096" y="3809878"/>
+            <a:ext cx="216024" cy="144016"/>
+          </a:xfrm>
+          <a:prstGeom prst="rightArrow">
+            <a:avLst/>
+          </a:prstGeom>
+        </p:spPr>
+        <p:style>
+          <a:lnRef idx="2">
+            <a:schemeClr val="accent3">
+              <a:shade val="50000"/>
+            </a:schemeClr>
+          </a:lnRef>
+          <a:fillRef idx="1">
+            <a:schemeClr val="accent3"/>
+          </a:fillRef>
+          <a:effectRef idx="0">
+            <a:schemeClr val="accent3"/>
+          </a:effectRef>
+          <a:fontRef idx="minor">
+            <a:schemeClr val="lt1"/>
+          </a:fontRef>
+        </p:style>
+        <p:txBody>
+          <a:bodyPr rtlCol="0" anchor="ctr"/>
+          <a:lstStyle/>
+          <a:p>
+            <a:pPr algn="ctr"/>
+            <a:endParaRPr lang="ko-KR" altLang="en-US"/>
+          </a:p>
+        </p:txBody>
+      </p:sp>
+      <p:sp>
+        <p:nvSpPr>
+          <p:cNvPr id="26" name="모서리가 둥근 직사각형 25"/>
+          <p:cNvSpPr/>
+          <p:nvPr/>
+        </p:nvSpPr>
+        <p:spPr>
+          <a:xfrm>
+            <a:off x="3707904" y="4826868"/>
+            <a:ext cx="5040560" cy="936104"/>
+          </a:xfrm>
+          <a:prstGeom prst="roundRect">
+            <a:avLst/>
+          </a:prstGeom>
+          <a:ln>
+            <a:solidFill>
+              <a:srgbClr val="FF0000"/>
+            </a:solidFill>
+          </a:ln>
+        </p:spPr>
+        <p:style>
+          <a:lnRef idx="2">
+            <a:schemeClr val="accent3"/>
+          </a:lnRef>
+          <a:fillRef idx="1">
+            <a:schemeClr val="lt1"/>
+          </a:fillRef>
+          <a:effectRef idx="0">
+            <a:schemeClr val="accent3"/>
+          </a:effectRef>
+          <a:fontRef idx="minor">
+            <a:schemeClr val="dk1"/>
+          </a:fontRef>
+        </p:style>
+        <p:txBody>
+          <a:bodyPr rtlCol="0" anchor="ctr"/>
+          <a:lstStyle/>
+          <a:p>
+            <a:pPr algn="ctr">
+              <a:lnSpc>
+                <a:spcPct val="150000"/>
+              </a:lnSpc>
+            </a:pPr>
+            <a:r>
+              <a:rPr lang="en-US" altLang="ko-KR" b="1" dirty="0">
+                <a:solidFill>
+                  <a:srgbClr val="FF0000"/>
+                </a:solidFill>
+              </a:rPr>
+              <a:t>m</a:t>
+            </a:r>
+            <a:r>
+              <a:rPr lang="en-US" altLang="ko-KR" b="1" dirty="0" smtClean="0">
+                <a:solidFill>
+                  <a:srgbClr val="FF0000"/>
+                </a:solidFill>
+              </a:rPr>
+              <a:t>ake_labels_pred.py</a:t>
+            </a:r>
+          </a:p>
+          <a:p>
+            <a:pPr algn="ctr"/>
+            <a:r>
+              <a:rPr lang="en-US" altLang="ko-KR" sz="1500" dirty="0" smtClean="0">
+                <a:solidFill>
+                  <a:schemeClr val="tx1">
+                    <a:lumMod val="50000"/>
+                    <a:lumOff val="50000"/>
+                  </a:schemeClr>
+                </a:solidFill>
+              </a:rPr>
+              <a:t>Feature vectors clustering</a:t>
+            </a:r>
+          </a:p>
+          <a:p>
+            <a:pPr algn="ctr"/>
+            <a:r>
+              <a:rPr lang="en-US" altLang="ko-KR" sz="1500" dirty="0" smtClean="0">
+                <a:solidFill>
+                  <a:schemeClr val="tx1">
+                    <a:lumMod val="50000"/>
+                    <a:lumOff val="50000"/>
+                  </a:schemeClr>
+                </a:solidFill>
+              </a:rPr>
+              <a:t>(using </a:t>
+            </a:r>
+            <a:r>
+              <a:rPr lang="en-US" altLang="ko-KR" sz="1500" b="1" dirty="0" smtClean="0">
+                <a:solidFill>
+                  <a:srgbClr val="FF0000"/>
+                </a:solidFill>
+              </a:rPr>
+              <a:t>another cluster algorithm</a:t>
+            </a:r>
+            <a:r>
+              <a:rPr lang="en-US" altLang="ko-KR" sz="1500" dirty="0" smtClean="0">
+                <a:solidFill>
+                  <a:schemeClr val="tx1">
+                    <a:lumMod val="50000"/>
+                    <a:lumOff val="50000"/>
+                  </a:schemeClr>
+                </a:solidFill>
+              </a:rPr>
+              <a:t>)</a:t>
+            </a:r>
+            <a:endParaRPr lang="ko-KR" altLang="en-US" sz="1500" dirty="0">
+              <a:solidFill>
+                <a:schemeClr val="tx1">
+                  <a:lumMod val="50000"/>
+                  <a:lumOff val="50000"/>
+                </a:schemeClr>
+              </a:solidFill>
+            </a:endParaRPr>
+          </a:p>
+        </p:txBody>
+      </p:sp>
+      <p:sp>
+        <p:nvSpPr>
+          <p:cNvPr id="28" name="모서리가 둥근 직사각형 27"/>
+          <p:cNvSpPr/>
+          <p:nvPr/>
+        </p:nvSpPr>
+        <p:spPr>
+          <a:xfrm>
+            <a:off x="3707904" y="6076404"/>
+            <a:ext cx="5040560" cy="720080"/>
+          </a:xfrm>
+          <a:prstGeom prst="roundRect">
+            <a:avLst/>
+          </a:prstGeom>
+          <a:ln>
+            <a:solidFill>
+              <a:srgbClr val="00B050"/>
+            </a:solidFill>
+          </a:ln>
+        </p:spPr>
+        <p:style>
+          <a:lnRef idx="2">
+            <a:schemeClr val="accent3"/>
+          </a:lnRef>
+          <a:fillRef idx="1">
+            <a:schemeClr val="lt1"/>
+          </a:fillRef>
+          <a:effectRef idx="0">
+            <a:schemeClr val="accent3"/>
+          </a:effectRef>
+          <a:fontRef idx="minor">
+            <a:schemeClr val="dk1"/>
+          </a:fontRef>
+        </p:style>
+        <p:txBody>
+          <a:bodyPr rtlCol="0" anchor="ctr"/>
+          <a:lstStyle/>
+          <a:p>
+            <a:pPr algn="ctr">
+              <a:lnSpc>
+                <a:spcPct val="150000"/>
+              </a:lnSpc>
+            </a:pPr>
+            <a:r>
+              <a:rPr lang="en-US" altLang="ko-KR" b="1" dirty="0" smtClean="0"/>
+              <a:t>evaluation.py</a:t>
+            </a:r>
+          </a:p>
+          <a:p>
+            <a:pPr algn="ctr"/>
+            <a:r>
+              <a:rPr lang="en-US" altLang="ko-KR" sz="1500" dirty="0" smtClean="0">
+                <a:solidFill>
+                  <a:schemeClr val="tx1">
+                    <a:lumMod val="50000"/>
+                    <a:lumOff val="50000"/>
+                  </a:schemeClr>
+                </a:solidFill>
+              </a:rPr>
+              <a:t>Adjusted rand index</a:t>
+            </a:r>
+          </a:p>
+          <a:p>
+            <a:pPr algn="ctr"/>
+            <a:endParaRPr lang="ko-KR" altLang="en-US" sz="1500" dirty="0"/>
+          </a:p>
+        </p:txBody>
+      </p:sp>
+      <p:sp>
+        <p:nvSpPr>
+          <p:cNvPr id="29" name="모서리가 둥근 직사각형 28"/>
+          <p:cNvSpPr/>
+          <p:nvPr/>
+        </p:nvSpPr>
+        <p:spPr>
+          <a:xfrm>
+            <a:off x="3707904" y="7012508"/>
+            <a:ext cx="5040560" cy="648072"/>
+          </a:xfrm>
+          <a:prstGeom prst="roundRect">
+            <a:avLst/>
+          </a:prstGeom>
+          <a:ln>
+            <a:solidFill>
+              <a:srgbClr val="00B050"/>
+            </a:solidFill>
+          </a:ln>
+        </p:spPr>
+        <p:style>
+          <a:lnRef idx="2">
+            <a:schemeClr val="accent3"/>
+          </a:lnRef>
+          <a:fillRef idx="1">
+            <a:schemeClr val="lt1"/>
+          </a:fillRef>
+          <a:effectRef idx="0">
+            <a:schemeClr val="accent3"/>
+          </a:effectRef>
+          <a:fontRef idx="minor">
+            <a:schemeClr val="dk1"/>
+          </a:fontRef>
+        </p:style>
+        <p:txBody>
+          <a:bodyPr rtlCol="0" anchor="ctr"/>
+          <a:lstStyle/>
+          <a:p>
+            <a:pPr algn="ctr">
+              <a:lnSpc>
+                <a:spcPct val="150000"/>
+              </a:lnSpc>
+            </a:pPr>
+            <a:r>
+              <a:rPr lang="en-US" altLang="ko-KR" b="1" dirty="0" smtClean="0"/>
+              <a:t>visualization.py</a:t>
+            </a:r>
+          </a:p>
+          <a:p>
+            <a:pPr algn="ctr"/>
+            <a:r>
+              <a:rPr lang="en-US" altLang="ko-KR" sz="1500" b="1" dirty="0" smtClean="0">
+                <a:solidFill>
+                  <a:schemeClr val="tx1">
+                    <a:lumMod val="50000"/>
+                    <a:lumOff val="50000"/>
+                  </a:schemeClr>
+                </a:solidFill>
+              </a:rPr>
+              <a:t>t-SNE</a:t>
+            </a:r>
+            <a:endParaRPr lang="ko-KR" altLang="en-US" sz="1500" b="1" dirty="0">
+              <a:solidFill>
+                <a:schemeClr val="tx1">
+                  <a:lumMod val="50000"/>
+                  <a:lumOff val="50000"/>
+                </a:schemeClr>
+              </a:solidFill>
+            </a:endParaRPr>
+          </a:p>
+        </p:txBody>
+      </p:sp>
+      <p:cxnSp>
+        <p:nvCxnSpPr>
+          <p:cNvPr id="30" name="직선 화살표 연결선 29"/>
+          <p:cNvCxnSpPr>
+            <a:stCxn id="18" idx="2"/>
+          </p:cNvCxnSpPr>
+          <p:nvPr/>
+        </p:nvCxnSpPr>
+        <p:spPr>
+          <a:xfrm>
+            <a:off x="6228184" y="866428"/>
+            <a:ext cx="0" cy="243408"/>
+          </a:xfrm>
+          <a:prstGeom prst="straightConnector1">
+            <a:avLst/>
+          </a:prstGeom>
+          <a:ln>
+            <a:solidFill>
+              <a:srgbClr val="00B050"/>
+            </a:solidFill>
+            <a:headEnd type="none" w="med" len="med"/>
+            <a:tailEnd type="triangle" w="med" len="med"/>
+          </a:ln>
+        </p:spPr>
+        <p:style>
+          <a:lnRef idx="1">
+            <a:schemeClr val="accent1"/>
+          </a:lnRef>
+          <a:fillRef idx="0">
+            <a:schemeClr val="accent1"/>
+          </a:fillRef>
+          <a:effectRef idx="0">
+            <a:schemeClr val="accent1"/>
+          </a:effectRef>
+          <a:fontRef idx="minor">
+            <a:schemeClr val="tx1"/>
+          </a:fontRef>
+        </p:style>
+      </p:cxnSp>
+      <p:cxnSp>
+        <p:nvCxnSpPr>
+          <p:cNvPr id="31" name="직선 화살표 연결선 30"/>
+          <p:cNvCxnSpPr>
+            <a:stCxn id="20" idx="2"/>
+            <a:endCxn id="26" idx="0"/>
+          </p:cNvCxnSpPr>
+          <p:nvPr/>
+        </p:nvCxnSpPr>
+        <p:spPr>
+          <a:xfrm>
+            <a:off x="6228184" y="4538836"/>
+            <a:ext cx="0" cy="288032"/>
+          </a:xfrm>
+          <a:prstGeom prst="straightConnector1">
+            <a:avLst/>
+          </a:prstGeom>
+          <a:ln>
+            <a:solidFill>
+              <a:srgbClr val="00B050"/>
+            </a:solidFill>
+            <a:headEnd type="none" w="med" len="med"/>
+            <a:tailEnd type="triangle" w="med" len="med"/>
+          </a:ln>
+        </p:spPr>
+        <p:style>
+          <a:lnRef idx="1">
+            <a:schemeClr val="accent1"/>
+          </a:lnRef>
+          <a:fillRef idx="0">
+            <a:schemeClr val="accent1"/>
+          </a:fillRef>
+          <a:effectRef idx="0">
+            <a:schemeClr val="accent1"/>
+          </a:effectRef>
+          <a:fontRef idx="minor">
+            <a:schemeClr val="tx1"/>
+          </a:fontRef>
+        </p:style>
+      </p:cxnSp>
+      <p:cxnSp>
+        <p:nvCxnSpPr>
+          <p:cNvPr id="32" name="직선 화살표 연결선 31"/>
+          <p:cNvCxnSpPr>
+            <a:stCxn id="26" idx="2"/>
+            <a:endCxn id="28" idx="0"/>
+          </p:cNvCxnSpPr>
+          <p:nvPr/>
+        </p:nvCxnSpPr>
+        <p:spPr>
+          <a:xfrm>
+            <a:off x="6228184" y="5762972"/>
+            <a:ext cx="0" cy="313432"/>
+          </a:xfrm>
+          <a:prstGeom prst="straightConnector1">
+            <a:avLst/>
+          </a:prstGeom>
+          <a:ln>
+            <a:solidFill>
+              <a:srgbClr val="00B050"/>
+            </a:solidFill>
+            <a:headEnd type="none" w="med" len="med"/>
+            <a:tailEnd type="triangle" w="med" len="med"/>
+          </a:ln>
+        </p:spPr>
+        <p:style>
+          <a:lnRef idx="1">
+            <a:schemeClr val="accent1"/>
+          </a:lnRef>
+          <a:fillRef idx="0">
+            <a:schemeClr val="accent1"/>
+          </a:fillRef>
+          <a:effectRef idx="0">
+            <a:schemeClr val="accent1"/>
+          </a:effectRef>
+          <a:fontRef idx="minor">
+            <a:schemeClr val="tx1"/>
+          </a:fontRef>
+        </p:style>
+      </p:cxnSp>
+      <p:cxnSp>
+        <p:nvCxnSpPr>
+          <p:cNvPr id="33" name="직선 화살표 연결선 32"/>
+          <p:cNvCxnSpPr>
+            <a:stCxn id="28" idx="2"/>
+            <a:endCxn id="29" idx="0"/>
+          </p:cNvCxnSpPr>
+          <p:nvPr/>
+        </p:nvCxnSpPr>
+        <p:spPr>
+          <a:xfrm>
+            <a:off x="6228184" y="6796484"/>
+            <a:ext cx="0" cy="216024"/>
+          </a:xfrm>
+          <a:prstGeom prst="straightConnector1">
+            <a:avLst/>
+          </a:prstGeom>
+          <a:ln>
+            <a:solidFill>
+              <a:srgbClr val="00B050"/>
+            </a:solidFill>
+            <a:headEnd type="none" w="med" len="med"/>
+            <a:tailEnd type="triangle" w="med" len="med"/>
+          </a:ln>
+        </p:spPr>
+        <p:style>
+          <a:lnRef idx="1">
+            <a:schemeClr val="accent1"/>
+          </a:lnRef>
+          <a:fillRef idx="0">
+            <a:schemeClr val="accent1"/>
+          </a:fillRef>
+          <a:effectRef idx="0">
+            <a:schemeClr val="accent1"/>
+          </a:effectRef>
+          <a:fontRef idx="minor">
+            <a:schemeClr val="tx1"/>
+          </a:fontRef>
+        </p:style>
+      </p:cxnSp>
+      <p:sp>
+        <p:nvSpPr>
+          <p:cNvPr id="35" name="모서리가 둥근 직사각형 34"/>
+          <p:cNvSpPr/>
+          <p:nvPr/>
+        </p:nvSpPr>
+        <p:spPr>
+          <a:xfrm>
+            <a:off x="3707904" y="1124248"/>
+            <a:ext cx="5040560" cy="474960"/>
+          </a:xfrm>
+          <a:prstGeom prst="roundRect">
+            <a:avLst/>
+          </a:prstGeom>
+          <a:ln>
+            <a:solidFill>
+              <a:srgbClr val="FF0000"/>
+            </a:solidFill>
+          </a:ln>
+        </p:spPr>
+        <p:style>
+          <a:lnRef idx="2">
+            <a:schemeClr val="accent3"/>
+          </a:lnRef>
+          <a:fillRef idx="1">
+            <a:schemeClr val="lt1"/>
+          </a:fillRef>
+          <a:effectRef idx="0">
+            <a:schemeClr val="accent3"/>
+          </a:effectRef>
+          <a:fontRef idx="minor">
+            <a:schemeClr val="dk1"/>
+          </a:fontRef>
+        </p:style>
+        <p:txBody>
+          <a:bodyPr rtlCol="0" anchor="ctr"/>
+          <a:lstStyle/>
+          <a:p>
+            <a:pPr algn="ctr">
+              <a:lnSpc>
+                <a:spcPct val="150000"/>
+              </a:lnSpc>
+            </a:pPr>
+            <a:r>
+              <a:rPr lang="en-US" altLang="ko-KR" b="1" dirty="0" smtClean="0">
+                <a:solidFill>
+                  <a:srgbClr val="FF0000"/>
+                </a:solidFill>
+              </a:rPr>
+              <a:t>Image_preprocessing.py</a:t>
+            </a:r>
+          </a:p>
+        </p:txBody>
+      </p:sp>
+      <p:cxnSp>
+        <p:nvCxnSpPr>
+          <p:cNvPr id="37" name="직선 화살표 연결선 36"/>
+          <p:cNvCxnSpPr>
+            <a:stCxn id="35" idx="2"/>
+            <a:endCxn id="20" idx="0"/>
+          </p:cNvCxnSpPr>
+          <p:nvPr/>
+        </p:nvCxnSpPr>
+        <p:spPr>
+          <a:xfrm>
+            <a:off x="6228184" y="1599208"/>
+            <a:ext cx="0" cy="288032"/>
+          </a:xfrm>
+          <a:prstGeom prst="straightConnector1">
+            <a:avLst/>
+          </a:prstGeom>
+          <a:ln>
+            <a:solidFill>
+              <a:srgbClr val="00B050"/>
+            </a:solidFill>
+            <a:headEnd type="none" w="med" len="med"/>
+            <a:tailEnd type="triangle" w="med" len="med"/>
+          </a:ln>
+        </p:spPr>
+        <p:style>
+          <a:lnRef idx="1">
+            <a:schemeClr val="accent1"/>
+          </a:lnRef>
+          <a:fillRef idx="0">
+            <a:schemeClr val="accent1"/>
+          </a:fillRef>
+          <a:effectRef idx="0">
+            <a:schemeClr val="accent1"/>
+          </a:effectRef>
+          <a:fontRef idx="minor">
+            <a:schemeClr val="tx1"/>
+          </a:fontRef>
+        </p:style>
+      </p:cxnSp>
+      <p:cxnSp>
+        <p:nvCxnSpPr>
+          <p:cNvPr id="49" name="직선 화살표 연결선 48"/>
+          <p:cNvCxnSpPr>
+            <a:stCxn id="4" idx="3"/>
+            <a:endCxn id="18" idx="1"/>
+          </p:cNvCxnSpPr>
+          <p:nvPr/>
+        </p:nvCxnSpPr>
+        <p:spPr>
+          <a:xfrm>
+            <a:off x="2051720" y="432048"/>
+            <a:ext cx="1656184" cy="2332"/>
+          </a:xfrm>
+          <a:prstGeom prst="straightConnector1">
+            <a:avLst/>
+          </a:prstGeom>
+          <a:ln>
+            <a:solidFill>
+              <a:srgbClr val="00B050"/>
+            </a:solidFill>
+            <a:headEnd type="none" w="med" len="med"/>
+            <a:tailEnd type="triangle" w="med" len="med"/>
+          </a:ln>
+        </p:spPr>
+        <p:style>
+          <a:lnRef idx="1">
+            <a:schemeClr val="accent1"/>
+          </a:lnRef>
+          <a:fillRef idx="0">
+            <a:schemeClr val="accent1"/>
+          </a:fillRef>
+          <a:effectRef idx="0">
+            <a:schemeClr val="accent1"/>
+          </a:effectRef>
+          <a:fontRef idx="minor">
+            <a:schemeClr val="tx1"/>
+          </a:fontRef>
+        </p:style>
+      </p:cxnSp>
+      <p:cxnSp>
+        <p:nvCxnSpPr>
+          <p:cNvPr id="50" name="꺾인 연결선 49"/>
+          <p:cNvCxnSpPr>
+            <a:stCxn id="11" idx="3"/>
+            <a:endCxn id="28" idx="1"/>
+          </p:cNvCxnSpPr>
+          <p:nvPr/>
+        </p:nvCxnSpPr>
+        <p:spPr>
+          <a:xfrm>
+            <a:off x="2051720" y="5184576"/>
+            <a:ext cx="1656184" cy="1251868"/>
+          </a:xfrm>
+          <a:prstGeom prst="bentConnector3">
+            <a:avLst/>
+          </a:prstGeom>
+          <a:ln>
+            <a:solidFill>
+              <a:srgbClr val="00B050"/>
+            </a:solidFill>
+            <a:headEnd type="none" w="med" len="med"/>
+            <a:tailEnd type="triangle" w="med" len="med"/>
+          </a:ln>
+        </p:spPr>
+        <p:style>
+          <a:lnRef idx="1">
+            <a:schemeClr val="accent1"/>
+          </a:lnRef>
+          <a:fillRef idx="0">
+            <a:schemeClr val="accent1"/>
+          </a:fillRef>
+          <a:effectRef idx="0">
+            <a:schemeClr val="accent1"/>
+          </a:effectRef>
+          <a:fontRef idx="minor">
+            <a:schemeClr val="tx1"/>
+          </a:fontRef>
+        </p:style>
+      </p:cxnSp>
+      <p:cxnSp>
+        <p:nvCxnSpPr>
+          <p:cNvPr id="57" name="꺾인 연결선 56"/>
+          <p:cNvCxnSpPr>
+            <a:stCxn id="12" idx="3"/>
+            <a:endCxn id="29" idx="1"/>
+          </p:cNvCxnSpPr>
+          <p:nvPr/>
+        </p:nvCxnSpPr>
+        <p:spPr>
+          <a:xfrm>
+            <a:off x="2051720" y="6084676"/>
+            <a:ext cx="1656184" cy="1251868"/>
+          </a:xfrm>
+          <a:prstGeom prst="bentConnector3">
+            <a:avLst>
+              <a:gd name="adj1" fmla="val 30829"/>
+            </a:avLst>
+          </a:prstGeom>
+          <a:ln>
+            <a:solidFill>
+              <a:srgbClr val="00B050"/>
+            </a:solidFill>
+            <a:headEnd type="none" w="med" len="med"/>
+            <a:tailEnd type="triangle" w="med" len="med"/>
+          </a:ln>
+        </p:spPr>
+        <p:style>
+          <a:lnRef idx="1">
+            <a:schemeClr val="accent1"/>
+          </a:lnRef>
+          <a:fillRef idx="0">
+            <a:schemeClr val="accent1"/>
+          </a:fillRef>
+          <a:effectRef idx="0">
+            <a:schemeClr val="accent1"/>
+          </a:effectRef>
+          <a:fontRef idx="minor">
+            <a:schemeClr val="tx1"/>
+          </a:fontRef>
+        </p:style>
+      </p:cxnSp>
+      <p:cxnSp>
+        <p:nvCxnSpPr>
+          <p:cNvPr id="61" name="꺾인 연결선 60"/>
+          <p:cNvCxnSpPr>
+            <a:stCxn id="10" idx="3"/>
+            <a:endCxn id="26" idx="1"/>
+          </p:cNvCxnSpPr>
+          <p:nvPr/>
+        </p:nvCxnSpPr>
+        <p:spPr>
+          <a:xfrm>
+            <a:off x="2051720" y="4068452"/>
+            <a:ext cx="1656184" cy="1226468"/>
+          </a:xfrm>
+          <a:prstGeom prst="bentConnector3">
+            <a:avLst>
+              <a:gd name="adj1" fmla="val 67637"/>
+            </a:avLst>
+          </a:prstGeom>
+          <a:ln>
+            <a:solidFill>
+              <a:srgbClr val="FF0000"/>
+            </a:solidFill>
+            <a:headEnd type="none" w="med" len="med"/>
+            <a:tailEnd type="triangle" w="med" len="med"/>
+          </a:ln>
+        </p:spPr>
+        <p:style>
+          <a:lnRef idx="1">
+            <a:schemeClr val="accent1"/>
+          </a:lnRef>
+          <a:fillRef idx="0">
+            <a:schemeClr val="accent1"/>
+          </a:fillRef>
+          <a:effectRef idx="0">
+            <a:schemeClr val="accent1"/>
+          </a:effectRef>
+          <a:fontRef idx="minor">
+            <a:schemeClr val="tx1"/>
+          </a:fontRef>
+        </p:style>
+      </p:cxnSp>
+      <p:cxnSp>
+        <p:nvCxnSpPr>
+          <p:cNvPr id="65" name="꺾인 연결선 64"/>
+          <p:cNvCxnSpPr>
+            <a:stCxn id="5" idx="3"/>
+            <a:endCxn id="20" idx="1"/>
+          </p:cNvCxnSpPr>
+          <p:nvPr/>
+        </p:nvCxnSpPr>
+        <p:spPr>
+          <a:xfrm>
+            <a:off x="2051720" y="2232248"/>
+            <a:ext cx="1656184" cy="980790"/>
+          </a:xfrm>
+          <a:prstGeom prst="bentConnector3">
+            <a:avLst>
+              <a:gd name="adj1" fmla="val 50000"/>
+            </a:avLst>
+          </a:prstGeom>
+          <a:ln>
+            <a:solidFill>
+              <a:srgbClr val="FF0000"/>
+            </a:solidFill>
+            <a:headEnd type="none" w="med" len="med"/>
+            <a:tailEnd type="triangle" w="med" len="med"/>
+          </a:ln>
+        </p:spPr>
+        <p:style>
+          <a:lnRef idx="1">
+            <a:schemeClr val="accent1"/>
+          </a:lnRef>
+          <a:fillRef idx="0">
+            <a:schemeClr val="accent1"/>
+          </a:fillRef>
+          <a:effectRef idx="0">
+            <a:schemeClr val="accent1"/>
+          </a:effectRef>
+          <a:fontRef idx="minor">
+            <a:schemeClr val="tx1"/>
+          </a:fontRef>
+        </p:style>
+      </p:cxnSp>
+      <p:sp>
+        <p:nvSpPr>
+          <p:cNvPr id="63" name="TextBox 62"/>
+          <p:cNvSpPr txBox="1"/>
+          <p:nvPr/>
+        </p:nvSpPr>
+        <p:spPr>
+          <a:xfrm>
+            <a:off x="2987824" y="1196752"/>
+            <a:ext cx="671979" cy="307777"/>
+          </a:xfrm>
+          <a:prstGeom prst="rect">
+            <a:avLst/>
+          </a:prstGeom>
+          <a:noFill/>
+        </p:spPr>
+        <p:txBody>
+          <a:bodyPr wrap="none" rtlCol="0">
+            <a:spAutoFit/>
+          </a:bodyPr>
+          <a:lstStyle/>
+          <a:p>
+            <a:r>
+              <a:rPr lang="en-US" altLang="ko-KR" sz="1400" b="1" dirty="0" smtClean="0">
+                <a:solidFill>
+                  <a:srgbClr val="FF0000"/>
+                </a:solidFill>
+              </a:rPr>
+              <a:t>(</a:t>
+            </a:r>
+            <a:r>
+              <a:rPr lang="ko-KR" altLang="en-US" sz="1400" b="1" dirty="0" smtClean="0">
+                <a:solidFill>
+                  <a:srgbClr val="FF0000"/>
+                </a:solidFill>
+              </a:rPr>
+              <a:t>추가</a:t>
+            </a:r>
+            <a:r>
+              <a:rPr lang="en-US" altLang="ko-KR" sz="1400" b="1" dirty="0" smtClean="0">
+                <a:solidFill>
+                  <a:srgbClr val="FF0000"/>
+                </a:solidFill>
+              </a:rPr>
+              <a:t>)</a:t>
+            </a:r>
+            <a:endParaRPr lang="ko-KR" altLang="en-US" sz="1400" b="1" dirty="0">
+              <a:solidFill>
+                <a:srgbClr val="FF0000"/>
+              </a:solidFill>
+            </a:endParaRPr>
+          </a:p>
+        </p:txBody>
+      </p:sp>
+    </p:spTree>
+    <p:extLst>
+      <p:ext uri="{BB962C8B-B14F-4D97-AF65-F5344CB8AC3E}">
+        <p14:creationId xmlns:p14="http://schemas.microsoft.com/office/powerpoint/2010/main" val="2511374224"/>
+      </p:ext>
+    </p:extLst>
+  </p:cSld>
+  <p:clrMapOvr>
+    <a:masterClrMapping/>
+  </p:clrMapOvr>
+  <p:timing>
+    <p:tnLst>
+      <p:par>
+        <p:cTn id="1" dur="indefinite" restart="never" nodeType="tmRoot"/>
+      </p:par>
+    </p:tnLst>
+  </p:timing>
+</p:sld>
+</file>
+
 <file path=ppt/theme/theme1.xml><?xml version="1.0" encoding="utf-8"?>
 <a:theme xmlns:a="http://schemas.openxmlformats.org/drawingml/2006/main" name="Office 테마">
   <a:themeElements>
